--- a/docs/ModSpec_LocomotionControl.pptx
+++ b/docs/ModSpec_LocomotionControl.pptx
@@ -12,28 +12,29 @@
     <p:sldId id="261" r:id="rId6"/>
     <p:sldId id="257" r:id="rId7"/>
     <p:sldId id="258" r:id="rId8"/>
-    <p:sldId id="263" r:id="rId9"/>
-    <p:sldId id="264" r:id="rId10"/>
-    <p:sldId id="265" r:id="rId11"/>
+    <p:sldId id="266" r:id="rId9"/>
+    <p:sldId id="263" r:id="rId10"/>
+    <p:sldId id="264" r:id="rId11"/>
+    <p:sldId id="265" r:id="rId12"/>
   </p:sldIdLst>
   <p:sldSz cx="12192000" cy="6858000"/>
   <p:notesSz cx="6858000" cy="9144000"/>
   <p:embeddedFontLst>
     <p:embeddedFont>
       <p:font typeface="Cambria Math" panose="02040503050406030204" pitchFamily="18" charset="0"/>
-      <p:regular r:id="rId12"/>
-    </p:embeddedFont>
-    <p:embeddedFont>
-      <p:font typeface="Hind Siliguri Light" panose="02000000000000000000" pitchFamily="2" charset="0"/>
       <p:regular r:id="rId13"/>
     </p:embeddedFont>
     <p:embeddedFont>
-      <p:font typeface="Inconsolata" panose="00000509000000000000" pitchFamily="49" charset="0"/>
+      <p:font typeface="Hind Siliguri Light" panose="020B0604020202020204" charset="0"/>
       <p:regular r:id="rId14"/>
     </p:embeddedFont>
     <p:embeddedFont>
-      <p:font typeface="Montserrat Light" panose="00000400000000000000" pitchFamily="2" charset="0"/>
+      <p:font typeface="Inconsolata" panose="020B0604020202020204" charset="0"/>
       <p:regular r:id="rId15"/>
+    </p:embeddedFont>
+    <p:embeddedFont>
+      <p:font typeface="Montserrat Light" panose="020B0604020202020204" charset="0"/>
+      <p:regular r:id="rId16"/>
     </p:embeddedFont>
   </p:embeddedFontLst>
   <p:defaultTextStyle>
@@ -268,7 +269,7 @@
           <a:p>
             <a:fld id="{421EC027-D7C0-40D2-9B83-3019AA17F2F2}" type="datetimeFigureOut">
               <a:rPr lang="en-GB" smtClean="0"/>
-              <a:t>28/10/2019</a:t>
+              <a:t>29/10/2019</a:t>
             </a:fld>
             <a:endParaRPr lang="en-GB"/>
           </a:p>
@@ -436,7 +437,7 @@
           <a:p>
             <a:fld id="{421EC027-D7C0-40D2-9B83-3019AA17F2F2}" type="datetimeFigureOut">
               <a:rPr lang="en-GB" smtClean="0"/>
-              <a:t>28/10/2019</a:t>
+              <a:t>29/10/2019</a:t>
             </a:fld>
             <a:endParaRPr lang="en-GB"/>
           </a:p>
@@ -614,7 +615,7 @@
           <a:p>
             <a:fld id="{421EC027-D7C0-40D2-9B83-3019AA17F2F2}" type="datetimeFigureOut">
               <a:rPr lang="en-GB" smtClean="0"/>
-              <a:t>28/10/2019</a:t>
+              <a:t>29/10/2019</a:t>
             </a:fld>
             <a:endParaRPr lang="en-GB"/>
           </a:p>
@@ -782,7 +783,7 @@
           <a:p>
             <a:fld id="{421EC027-D7C0-40D2-9B83-3019AA17F2F2}" type="datetimeFigureOut">
               <a:rPr lang="en-GB" smtClean="0"/>
-              <a:t>28/10/2019</a:t>
+              <a:t>29/10/2019</a:t>
             </a:fld>
             <a:endParaRPr lang="en-GB"/>
           </a:p>
@@ -1027,7 +1028,7 @@
           <a:p>
             <a:fld id="{421EC027-D7C0-40D2-9B83-3019AA17F2F2}" type="datetimeFigureOut">
               <a:rPr lang="en-GB" smtClean="0"/>
-              <a:t>28/10/2019</a:t>
+              <a:t>29/10/2019</a:t>
             </a:fld>
             <a:endParaRPr lang="en-GB"/>
           </a:p>
@@ -1256,7 +1257,7 @@
           <a:p>
             <a:fld id="{421EC027-D7C0-40D2-9B83-3019AA17F2F2}" type="datetimeFigureOut">
               <a:rPr lang="en-GB" smtClean="0"/>
-              <a:t>28/10/2019</a:t>
+              <a:t>29/10/2019</a:t>
             </a:fld>
             <a:endParaRPr lang="en-GB"/>
           </a:p>
@@ -1620,7 +1621,7 @@
           <a:p>
             <a:fld id="{421EC027-D7C0-40D2-9B83-3019AA17F2F2}" type="datetimeFigureOut">
               <a:rPr lang="en-GB" smtClean="0"/>
-              <a:t>28/10/2019</a:t>
+              <a:t>29/10/2019</a:t>
             </a:fld>
             <a:endParaRPr lang="en-GB"/>
           </a:p>
@@ -1737,7 +1738,7 @@
           <a:p>
             <a:fld id="{421EC027-D7C0-40D2-9B83-3019AA17F2F2}" type="datetimeFigureOut">
               <a:rPr lang="en-GB" smtClean="0"/>
-              <a:t>28/10/2019</a:t>
+              <a:t>29/10/2019</a:t>
             </a:fld>
             <a:endParaRPr lang="en-GB"/>
           </a:p>
@@ -1832,7 +1833,7 @@
           <a:p>
             <a:fld id="{421EC027-D7C0-40D2-9B83-3019AA17F2F2}" type="datetimeFigureOut">
               <a:rPr lang="en-GB" smtClean="0"/>
-              <a:t>28/10/2019</a:t>
+              <a:t>29/10/2019</a:t>
             </a:fld>
             <a:endParaRPr lang="en-GB"/>
           </a:p>
@@ -2107,7 +2108,7 @@
           <a:p>
             <a:fld id="{421EC027-D7C0-40D2-9B83-3019AA17F2F2}" type="datetimeFigureOut">
               <a:rPr lang="en-GB" smtClean="0"/>
-              <a:t>28/10/2019</a:t>
+              <a:t>29/10/2019</a:t>
             </a:fld>
             <a:endParaRPr lang="en-GB"/>
           </a:p>
@@ -2362,7 +2363,7 @@
           <a:p>
             <a:fld id="{421EC027-D7C0-40D2-9B83-3019AA17F2F2}" type="datetimeFigureOut">
               <a:rPr lang="en-GB" smtClean="0"/>
-              <a:t>28/10/2019</a:t>
+              <a:t>29/10/2019</a:t>
             </a:fld>
             <a:endParaRPr lang="en-GB"/>
           </a:p>
@@ -2573,7 +2574,7 @@
           <a:p>
             <a:fld id="{421EC027-D7C0-40D2-9B83-3019AA17F2F2}" type="datetimeFigureOut">
               <a:rPr lang="en-GB" smtClean="0"/>
-              <a:t>28/10/2019</a:t>
+              <a:t>29/10/2019</a:t>
             </a:fld>
             <a:endParaRPr lang="en-GB"/>
           </a:p>
@@ -3052,6 +3053,100 @@
 </file>
 
 <file path=ppt/slides/slide10.xml><?xml version="1.0" encoding="utf-8"?>
+<p:sld xmlns:a="http://schemas.openxmlformats.org/drawingml/2006/main" xmlns:r="http://schemas.openxmlformats.org/officeDocument/2006/relationships" xmlns:p="http://schemas.openxmlformats.org/presentationml/2006/main">
+  <p:cSld>
+    <p:spTree>
+      <p:nvGrpSpPr>
+        <p:cNvPr id="1" name=""/>
+        <p:cNvGrpSpPr/>
+        <p:nvPr/>
+      </p:nvGrpSpPr>
+      <p:grpSpPr>
+        <a:xfrm>
+          <a:off x="0" y="0"/>
+          <a:ext cx="0" cy="0"/>
+          <a:chOff x="0" y="0"/>
+          <a:chExt cx="0" cy="0"/>
+        </a:xfrm>
+      </p:grpSpPr>
+      <p:sp>
+        <p:nvSpPr>
+          <p:cNvPr id="2" name="Title 1">
+            <a:extLst>
+              <a:ext uri="{FF2B5EF4-FFF2-40B4-BE49-F238E27FC236}">
+                <a16:creationId xmlns:a16="http://schemas.microsoft.com/office/drawing/2014/main" id="{AF22BD6A-6040-4E83-8F7A-BFB86C7E787D}"/>
+              </a:ext>
+            </a:extLst>
+          </p:cNvPr>
+          <p:cNvSpPr>
+            <a:spLocks noGrp="1"/>
+          </p:cNvSpPr>
+          <p:nvPr>
+            <p:ph type="title"/>
+          </p:nvPr>
+        </p:nvSpPr>
+        <p:spPr/>
+        <p:txBody>
+          <a:bodyPr/>
+          <a:lstStyle/>
+          <a:p>
+            <a:r>
+              <a:rPr lang="en-GB" dirty="0"/>
+              <a:t>Output Specification</a:t>
+            </a:r>
+          </a:p>
+        </p:txBody>
+      </p:sp>
+      <p:sp>
+        <p:nvSpPr>
+          <p:cNvPr id="3" name="Content Placeholder 2">
+            <a:extLst>
+              <a:ext uri="{FF2B5EF4-FFF2-40B4-BE49-F238E27FC236}">
+                <a16:creationId xmlns:a16="http://schemas.microsoft.com/office/drawing/2014/main" id="{FA6EEBF6-83B9-47C6-BE88-D697C39673D1}"/>
+              </a:ext>
+            </a:extLst>
+          </p:cNvPr>
+          <p:cNvSpPr>
+            <a:spLocks noGrp="1"/>
+          </p:cNvSpPr>
+          <p:nvPr>
+            <p:ph idx="1"/>
+          </p:nvPr>
+        </p:nvSpPr>
+        <p:spPr/>
+        <p:txBody>
+          <a:bodyPr anchor="ctr"/>
+          <a:lstStyle/>
+          <a:p>
+            <a:pPr marL="0" indent="0" algn="ctr">
+              <a:buNone/>
+            </a:pPr>
+            <a:r>
+              <a:rPr lang="en-GB" dirty="0">
+                <a:solidFill>
+                  <a:schemeClr val="accent3"/>
+                </a:solidFill>
+                <a:latin typeface="Inconsolata" panose="00000509000000000000" pitchFamily="49" charset="0"/>
+              </a:rPr>
+              <a:t>[GROUP DISCUSSION]</a:t>
+            </a:r>
+          </a:p>
+        </p:txBody>
+      </p:sp>
+    </p:spTree>
+    <p:extLst>
+      <p:ext uri="{BB962C8B-B14F-4D97-AF65-F5344CB8AC3E}">
+        <p14:creationId xmlns:p14="http://schemas.microsoft.com/office/powerpoint/2010/main" val="1328522126"/>
+      </p:ext>
+    </p:extLst>
+  </p:cSld>
+  <p:clrMapOvr>
+    <a:masterClrMapping/>
+  </p:clrMapOvr>
+</p:sld>
+</file>
+
+<file path=ppt/slides/slide11.xml><?xml version="1.0" encoding="utf-8"?>
 <p:sld xmlns:a="http://schemas.openxmlformats.org/drawingml/2006/main" xmlns:r="http://schemas.openxmlformats.org/officeDocument/2006/relationships" xmlns:p="http://schemas.openxmlformats.org/presentationml/2006/main">
   <p:cSld>
     <p:spTree>
@@ -5366,8 +5461,8 @@
           </a:p>
         </p:txBody>
       </p:sp>
-      <mc:AlternateContent xmlns:mc="http://schemas.openxmlformats.org/markup-compatibility/2006">
-        <mc:Choice xmlns:a14="http://schemas.microsoft.com/office/drawing/2010/main" Requires="a14">
+      <mc:AlternateContent xmlns:mc="http://schemas.openxmlformats.org/markup-compatibility/2006" xmlns:a14="http://schemas.microsoft.com/office/drawing/2010/main">
+        <mc:Choice Requires="a14">
           <p:sp>
             <p:nvSpPr>
               <p:cNvPr id="3" name="Content Placeholder 2">
@@ -5446,7 +5541,7 @@
             </p:txBody>
           </p:sp>
         </mc:Choice>
-        <mc:Fallback>
+        <mc:Fallback xmlns="">
           <p:sp>
             <p:nvSpPr>
               <p:cNvPr id="3" name="Content Placeholder 2">
@@ -5906,8 +6001,8 @@
           </p:cxnSp>
         </p:grpSp>
       </p:grpSp>
-      <mc:AlternateContent xmlns:mc="http://schemas.openxmlformats.org/markup-compatibility/2006">
-        <mc:Choice xmlns:a14="http://schemas.microsoft.com/office/drawing/2010/main" Requires="a14">
+      <mc:AlternateContent xmlns:mc="http://schemas.openxmlformats.org/markup-compatibility/2006" xmlns:a14="http://schemas.microsoft.com/office/drawing/2010/main">
+        <mc:Choice Requires="a14">
           <p:sp>
             <p:nvSpPr>
               <p:cNvPr id="47" name="Content Placeholder 2">
@@ -6163,7 +6258,7 @@
             </p:txBody>
           </p:sp>
         </mc:Choice>
-        <mc:Fallback>
+        <mc:Fallback xmlns="">
           <p:sp>
             <p:nvSpPr>
               <p:cNvPr id="47" name="Content Placeholder 2">
@@ -6499,8 +6594,8 @@
           </a:fontRef>
         </p:style>
       </p:cxnSp>
-      <mc:AlternateContent xmlns:mc="http://schemas.openxmlformats.org/markup-compatibility/2006">
-        <mc:Choice xmlns:a14="http://schemas.microsoft.com/office/drawing/2010/main" Requires="a14">
+      <mc:AlternateContent xmlns:mc="http://schemas.openxmlformats.org/markup-compatibility/2006" xmlns:a14="http://schemas.microsoft.com/office/drawing/2010/main">
+        <mc:Choice Requires="a14">
           <p:sp>
             <p:nvSpPr>
               <p:cNvPr id="57" name="Rectangle 56">
@@ -6580,7 +6675,7 @@
             </p:txBody>
           </p:sp>
         </mc:Choice>
-        <mc:Fallback>
+        <mc:Fallback xmlns="">
           <p:sp>
             <p:nvSpPr>
               <p:cNvPr id="57" name="Rectangle 56">
@@ -6727,8 +6822,8 @@
           </a:p>
         </p:txBody>
       </p:sp>
-      <mc:AlternateContent xmlns:mc="http://schemas.openxmlformats.org/markup-compatibility/2006">
-        <mc:Choice xmlns:a14="http://schemas.microsoft.com/office/drawing/2010/main" Requires="a14">
+      <mc:AlternateContent xmlns:mc="http://schemas.openxmlformats.org/markup-compatibility/2006" xmlns:a14="http://schemas.microsoft.com/office/drawing/2010/main">
+        <mc:Choice Requires="a14">
           <p:sp>
             <p:nvSpPr>
               <p:cNvPr id="3" name="Content Placeholder 2">
@@ -6807,7 +6902,7 @@
             </p:txBody>
           </p:sp>
         </mc:Choice>
-        <mc:Fallback>
+        <mc:Fallback xmlns="">
           <p:sp>
             <p:nvSpPr>
               <p:cNvPr id="3" name="Content Placeholder 2">
@@ -7859,8 +7954,8 @@
           </p:cxnSp>
         </p:grpSp>
       </p:grpSp>
-      <mc:AlternateContent xmlns:mc="http://schemas.openxmlformats.org/markup-compatibility/2006">
-        <mc:Choice xmlns:a14="http://schemas.microsoft.com/office/drawing/2010/main" Requires="a14">
+      <mc:AlternateContent xmlns:mc="http://schemas.openxmlformats.org/markup-compatibility/2006" xmlns:a14="http://schemas.microsoft.com/office/drawing/2010/main">
+        <mc:Choice Requires="a14">
           <p:sp>
             <p:nvSpPr>
               <p:cNvPr id="47" name="Content Placeholder 2">
@@ -8122,7 +8217,7 @@
             </p:txBody>
           </p:sp>
         </mc:Choice>
-        <mc:Fallback>
+        <mc:Fallback xmlns="">
           <p:sp>
             <p:nvSpPr>
               <p:cNvPr id="47" name="Content Placeholder 2">
@@ -9191,7 +9286,7 @@
           <p:cNvPr id="2" name="Title 1">
             <a:extLst>
               <a:ext uri="{FF2B5EF4-FFF2-40B4-BE49-F238E27FC236}">
-                <a16:creationId xmlns:a16="http://schemas.microsoft.com/office/drawing/2014/main" id="{AF22BD6A-6040-4E83-8F7A-BFB86C7E787D}"/>
+                <a16:creationId xmlns:a16="http://schemas.microsoft.com/office/drawing/2014/main" id="{7730FC73-47B7-4689-8A21-1811C9B15BD0}"/>
               </a:ext>
             </a:extLst>
           </p:cNvPr>
@@ -9209,7 +9304,7 @@
           <a:p>
             <a:r>
               <a:rPr lang="en-GB" dirty="0"/>
-              <a:t>Input Specification</a:t>
+              <a:t>Motor Specs</a:t>
             </a:r>
           </a:p>
         </p:txBody>
@@ -9219,7 +9314,7 @@
           <p:cNvPr id="3" name="Content Placeholder 2">
             <a:extLst>
               <a:ext uri="{FF2B5EF4-FFF2-40B4-BE49-F238E27FC236}">
-                <a16:creationId xmlns:a16="http://schemas.microsoft.com/office/drawing/2014/main" id="{FA6EEBF6-83B9-47C6-BE88-D697C39673D1}"/>
+                <a16:creationId xmlns:a16="http://schemas.microsoft.com/office/drawing/2014/main" id="{FD45F213-B994-4F7A-99C7-50EB6C4F57AD}"/>
               </a:ext>
             </a:extLst>
           </p:cNvPr>
@@ -9232,20 +9327,131 @@
         </p:nvSpPr>
         <p:spPr/>
         <p:txBody>
-          <a:bodyPr anchor="ctr"/>
+          <a:bodyPr>
+            <a:normAutofit/>
+          </a:bodyPr>
           <a:lstStyle/>
           <a:p>
-            <a:pPr marL="0" indent="0" algn="ctr">
+            <a:pPr marL="0" indent="0">
               <a:buNone/>
             </a:pPr>
             <a:r>
-              <a:rPr lang="en-GB" dirty="0">
-                <a:solidFill>
-                  <a:schemeClr val="accent3"/>
-                </a:solidFill>
-                <a:latin typeface="Inconsolata" panose="00000509000000000000" pitchFamily="49" charset="0"/>
+              <a:rPr lang="en-GB" sz="1800" b="1" dirty="0"/>
+              <a:t>Drive Axes:</a:t>
+            </a:r>
+          </a:p>
+          <a:p>
+            <a:pPr lvl="1"/>
+            <a:r>
+              <a:rPr lang="en-GB" sz="1400" dirty="0"/>
+              <a:t>Datasheet: </a:t>
+            </a:r>
+            <a:r>
+              <a:rPr lang="en-GB" sz="1400" dirty="0">
+                <a:hlinkClick r:id="rId2"/>
               </a:rPr>
-              <a:t>[GROUP DISCUSSION]</a:t>
+              <a:t>https://www.active-robots.com/springrc-high-torque-continuos-rotation-servo.html</a:t>
+            </a:r>
+            <a:r>
+              <a:rPr lang="en-GB" sz="1400" dirty="0"/>
+              <a:t> </a:t>
+            </a:r>
+          </a:p>
+          <a:p>
+            <a:pPr lvl="1"/>
+            <a:r>
+              <a:rPr lang="en-GB" sz="1400" dirty="0"/>
+              <a:t>Rotation rate of 360 </a:t>
+            </a:r>
+            <a:r>
+              <a:rPr lang="en-GB" sz="1400" dirty="0" err="1"/>
+              <a:t>deg</a:t>
+            </a:r>
+            <a:r>
+              <a:rPr lang="en-GB" sz="1400" dirty="0"/>
+              <a:t> / sec</a:t>
+            </a:r>
+          </a:p>
+          <a:p>
+            <a:pPr lvl="1"/>
+            <a:r>
+              <a:rPr lang="en-GB" sz="1400" dirty="0"/>
+              <a:t>With 10cm wheels, covers ~30 cm per second</a:t>
+            </a:r>
+          </a:p>
+          <a:p>
+            <a:pPr lvl="1"/>
+            <a:r>
+              <a:rPr lang="en-GB" sz="1400" dirty="0"/>
+              <a:t>No position data, limits wheel odometry:</a:t>
+            </a:r>
+          </a:p>
+          <a:p>
+            <a:pPr lvl="2"/>
+            <a:r>
+              <a:rPr lang="en-GB" sz="1200" dirty="0"/>
+              <a:t>Get encoders for these servos</a:t>
+            </a:r>
+          </a:p>
+          <a:p>
+            <a:pPr lvl="2"/>
+            <a:r>
+              <a:rPr lang="en-GB" sz="1200" dirty="0"/>
+              <a:t>Get new DC motors with encoders built in</a:t>
+            </a:r>
+          </a:p>
+          <a:p>
+            <a:pPr marL="0" indent="0">
+              <a:buNone/>
+            </a:pPr>
+            <a:endParaRPr lang="en-GB" sz="1800" b="1" dirty="0"/>
+          </a:p>
+          <a:p>
+            <a:pPr marL="0" indent="0">
+              <a:buNone/>
+            </a:pPr>
+            <a:r>
+              <a:rPr lang="en-GB" sz="1800" b="1" dirty="0"/>
+              <a:t>Steer Axes:</a:t>
+            </a:r>
+          </a:p>
+          <a:p>
+            <a:pPr lvl="1"/>
+            <a:r>
+              <a:rPr lang="en-GB" sz="1400" dirty="0"/>
+              <a:t>Datasheet: </a:t>
+            </a:r>
+            <a:r>
+              <a:rPr lang="en-GB" sz="1400" dirty="0">
+                <a:hlinkClick r:id="rId3"/>
+              </a:rPr>
+              <a:t>https://www.pololu.com/file/0J1431/FS5103B-specs.pdf</a:t>
+            </a:r>
+            <a:r>
+              <a:rPr lang="en-GB" sz="1400" dirty="0"/>
+              <a:t> </a:t>
+            </a:r>
+          </a:p>
+          <a:p>
+            <a:pPr lvl="1"/>
+            <a:r>
+              <a:rPr lang="en-GB" sz="1400" dirty="0"/>
+              <a:t>PWM output signal controls position, is only input to Servos</a:t>
+            </a:r>
+          </a:p>
+          <a:p>
+            <a:pPr lvl="1"/>
+            <a:r>
+              <a:rPr lang="en-GB" sz="1400" dirty="0"/>
+              <a:t>Rotation rate of 0.18 sec / 60 </a:t>
+            </a:r>
+            <a:r>
+              <a:rPr lang="en-GB" sz="1400" dirty="0" err="1"/>
+              <a:t>deg</a:t>
+            </a:r>
+            <a:r>
+              <a:rPr lang="en-GB" sz="1400" dirty="0"/>
+              <a:t> (= 1.08 s for full revolution)</a:t>
             </a:r>
           </a:p>
         </p:txBody>
@@ -9253,7 +9459,7 @@
     </p:spTree>
     <p:extLst>
       <p:ext uri="{BB962C8B-B14F-4D97-AF65-F5344CB8AC3E}">
-        <p14:creationId xmlns:p14="http://schemas.microsoft.com/office/powerpoint/2010/main" val="1355538626"/>
+        <p14:creationId xmlns:p14="http://schemas.microsoft.com/office/powerpoint/2010/main" val="2777082265"/>
       </p:ext>
     </p:extLst>
   </p:cSld>
@@ -9303,7 +9509,7 @@
           <a:p>
             <a:r>
               <a:rPr lang="en-GB" dirty="0"/>
-              <a:t>Output Specification</a:t>
+              <a:t>Input Specification</a:t>
             </a:r>
           </a:p>
         </p:txBody>
@@ -9347,7 +9553,7 @@
     </p:spTree>
     <p:extLst>
       <p:ext uri="{BB962C8B-B14F-4D97-AF65-F5344CB8AC3E}">
-        <p14:creationId xmlns:p14="http://schemas.microsoft.com/office/powerpoint/2010/main" val="1328522126"/>
+        <p14:creationId xmlns:p14="http://schemas.microsoft.com/office/powerpoint/2010/main" val="1355538626"/>
       </p:ext>
     </p:extLst>
   </p:cSld>
